--- a/ppt 16-9/0738.恩典中的恩典.pptx
+++ b/ppt 16-9/0738.恩典中的恩典.pptx
@@ -5,7 +5,7 @@
     <p:sldMasterId id="2147483648" r:id="rId1"/>
   </p:sldMasterIdLst>
   <p:sldIdLst>
-    <p:sldId id="1981" r:id="rId2"/>
+    <p:sldId id="1982" r:id="rId2"/>
   </p:sldIdLst>
   <p:sldSz cx="12192000" cy="6858000"/>
   <p:notesSz cx="6858000" cy="9144000"/>
@@ -129,7 +129,7 @@
           <p:cNvPr id="2" name="标题 1">
             <a:extLst>
               <a:ext uri="{FF2B5EF4-FFF2-40B4-BE49-F238E27FC236}">
-                <a16:creationId xmlns:a16="http://schemas.microsoft.com/office/drawing/2014/main" id="{60C8FD8B-68E0-747A-0188-00F6F4F5F3AB}"/>
+                <a16:creationId xmlns:a16="http://schemas.microsoft.com/office/drawing/2014/main" id="{B0EC4445-4593-77FA-08E0-A46DC1DF57DA}"/>
               </a:ext>
             </a:extLst>
           </p:cNvPr>
@@ -166,7 +166,7 @@
           <p:cNvPr id="3" name="副标题 2">
             <a:extLst>
               <a:ext uri="{FF2B5EF4-FFF2-40B4-BE49-F238E27FC236}">
-                <a16:creationId xmlns:a16="http://schemas.microsoft.com/office/drawing/2014/main" id="{CB8D4F24-14B1-58CA-68A1-925D5BF44EA6}"/>
+                <a16:creationId xmlns:a16="http://schemas.microsoft.com/office/drawing/2014/main" id="{699713B4-0DA6-0E53-A7DF-E00661BD47E0}"/>
               </a:ext>
             </a:extLst>
           </p:cNvPr>
@@ -236,7 +236,7 @@
           <p:cNvPr id="4" name="日期占位符 3">
             <a:extLst>
               <a:ext uri="{FF2B5EF4-FFF2-40B4-BE49-F238E27FC236}">
-                <a16:creationId xmlns:a16="http://schemas.microsoft.com/office/drawing/2014/main" id="{1E7FDF5A-E517-6063-5CF4-2E27371F3723}"/>
+                <a16:creationId xmlns:a16="http://schemas.microsoft.com/office/drawing/2014/main" id="{BFB0BC2D-67A7-028C-5DD1-BD3351F80B02}"/>
               </a:ext>
             </a:extLst>
           </p:cNvPr>
@@ -252,7 +252,7 @@
           <a:bodyPr/>
           <a:lstStyle/>
           <a:p>
-            <a:fld id="{44D095E3-9505-4FED-808C-CB942C63BF8F}" type="datetimeFigureOut">
+            <a:fld id="{09D908CB-DCF0-4B19-85D7-40F887ADBF6A}" type="datetimeFigureOut">
               <a:rPr lang="zh-CN" altLang="en-US" smtClean="0"/>
               <a:t>2024/3/10</a:t>
             </a:fld>
@@ -265,7 +265,7 @@
           <p:cNvPr id="5" name="页脚占位符 4">
             <a:extLst>
               <a:ext uri="{FF2B5EF4-FFF2-40B4-BE49-F238E27FC236}">
-                <a16:creationId xmlns:a16="http://schemas.microsoft.com/office/drawing/2014/main" id="{E2525994-4C30-47DC-536C-CE4B2CBD1702}"/>
+                <a16:creationId xmlns:a16="http://schemas.microsoft.com/office/drawing/2014/main" id="{149F9C3F-A0E1-81CB-B209-9BD5A1E644D4}"/>
               </a:ext>
             </a:extLst>
           </p:cNvPr>
@@ -290,7 +290,7 @@
           <p:cNvPr id="6" name="灯片编号占位符 5">
             <a:extLst>
               <a:ext uri="{FF2B5EF4-FFF2-40B4-BE49-F238E27FC236}">
-                <a16:creationId xmlns:a16="http://schemas.microsoft.com/office/drawing/2014/main" id="{D72E57B3-68C2-F173-72B2-61FF09E91CB1}"/>
+                <a16:creationId xmlns:a16="http://schemas.microsoft.com/office/drawing/2014/main" id="{701B018E-421F-CA4D-D014-C4266354AB9D}"/>
               </a:ext>
             </a:extLst>
           </p:cNvPr>
@@ -306,7 +306,7 @@
           <a:bodyPr/>
           <a:lstStyle/>
           <a:p>
-            <a:fld id="{F1EADFF4-5C8E-4FFF-A84D-F27DC6CA7D42}" type="slidenum">
+            <a:fld id="{48A21CD6-226E-4668-B572-EBBD9B8813FA}" type="slidenum">
               <a:rPr lang="zh-CN" altLang="en-US" smtClean="0"/>
               <a:t>‹#›</a:t>
             </a:fld>
@@ -317,7 +317,7 @@
     </p:spTree>
     <p:extLst>
       <p:ext uri="{BB962C8B-B14F-4D97-AF65-F5344CB8AC3E}">
-        <p14:creationId xmlns:p14="http://schemas.microsoft.com/office/powerpoint/2010/main" val="2649793323"/>
+        <p14:creationId xmlns:p14="http://schemas.microsoft.com/office/powerpoint/2010/main" val="3503076739"/>
       </p:ext>
     </p:extLst>
   </p:cSld>
@@ -349,7 +349,7 @@
           <p:cNvPr id="2" name="标题 1">
             <a:extLst>
               <a:ext uri="{FF2B5EF4-FFF2-40B4-BE49-F238E27FC236}">
-                <a16:creationId xmlns:a16="http://schemas.microsoft.com/office/drawing/2014/main" id="{91F984B9-7278-2860-ABD0-9BA8693BA644}"/>
+                <a16:creationId xmlns:a16="http://schemas.microsoft.com/office/drawing/2014/main" id="{4C246BA3-C4D4-D26D-A3EE-B49FCB6561B0}"/>
               </a:ext>
             </a:extLst>
           </p:cNvPr>
@@ -377,7 +377,7 @@
           <p:cNvPr id="3" name="竖排文字占位符 2">
             <a:extLst>
               <a:ext uri="{FF2B5EF4-FFF2-40B4-BE49-F238E27FC236}">
-                <a16:creationId xmlns:a16="http://schemas.microsoft.com/office/drawing/2014/main" id="{7B8063EA-ED64-6E16-D6E7-05C555687F19}"/>
+                <a16:creationId xmlns:a16="http://schemas.microsoft.com/office/drawing/2014/main" id="{B0AC6EED-673A-512A-849C-8818716857B6}"/>
               </a:ext>
             </a:extLst>
           </p:cNvPr>
@@ -434,7 +434,7 @@
           <p:cNvPr id="4" name="日期占位符 3">
             <a:extLst>
               <a:ext uri="{FF2B5EF4-FFF2-40B4-BE49-F238E27FC236}">
-                <a16:creationId xmlns:a16="http://schemas.microsoft.com/office/drawing/2014/main" id="{BE196D00-87A9-FAFF-ADB5-FECE85EA1F76}"/>
+                <a16:creationId xmlns:a16="http://schemas.microsoft.com/office/drawing/2014/main" id="{D72DCB18-392D-931D-DFB8-FE715442225B}"/>
               </a:ext>
             </a:extLst>
           </p:cNvPr>
@@ -450,7 +450,7 @@
           <a:bodyPr/>
           <a:lstStyle/>
           <a:p>
-            <a:fld id="{44D095E3-9505-4FED-808C-CB942C63BF8F}" type="datetimeFigureOut">
+            <a:fld id="{09D908CB-DCF0-4B19-85D7-40F887ADBF6A}" type="datetimeFigureOut">
               <a:rPr lang="zh-CN" altLang="en-US" smtClean="0"/>
               <a:t>2024/3/10</a:t>
             </a:fld>
@@ -463,7 +463,7 @@
           <p:cNvPr id="5" name="页脚占位符 4">
             <a:extLst>
               <a:ext uri="{FF2B5EF4-FFF2-40B4-BE49-F238E27FC236}">
-                <a16:creationId xmlns:a16="http://schemas.microsoft.com/office/drawing/2014/main" id="{AFF3081B-3DFC-20BA-94F1-6599E26AC8CD}"/>
+                <a16:creationId xmlns:a16="http://schemas.microsoft.com/office/drawing/2014/main" id="{822DDFD2-2075-97A9-EDCF-79D6B5DBC236}"/>
               </a:ext>
             </a:extLst>
           </p:cNvPr>
@@ -488,7 +488,7 @@
           <p:cNvPr id="6" name="灯片编号占位符 5">
             <a:extLst>
               <a:ext uri="{FF2B5EF4-FFF2-40B4-BE49-F238E27FC236}">
-                <a16:creationId xmlns:a16="http://schemas.microsoft.com/office/drawing/2014/main" id="{CEFAE5C6-C8C9-26DD-726D-6AF65DECD264}"/>
+                <a16:creationId xmlns:a16="http://schemas.microsoft.com/office/drawing/2014/main" id="{CEF5D0F9-0BB5-27A0-6640-3D86973D7440}"/>
               </a:ext>
             </a:extLst>
           </p:cNvPr>
@@ -504,7 +504,7 @@
           <a:bodyPr/>
           <a:lstStyle/>
           <a:p>
-            <a:fld id="{F1EADFF4-5C8E-4FFF-A84D-F27DC6CA7D42}" type="slidenum">
+            <a:fld id="{48A21CD6-226E-4668-B572-EBBD9B8813FA}" type="slidenum">
               <a:rPr lang="zh-CN" altLang="en-US" smtClean="0"/>
               <a:t>‹#›</a:t>
             </a:fld>
@@ -515,7 +515,7 @@
     </p:spTree>
     <p:extLst>
       <p:ext uri="{BB962C8B-B14F-4D97-AF65-F5344CB8AC3E}">
-        <p14:creationId xmlns:p14="http://schemas.microsoft.com/office/powerpoint/2010/main" val="539988621"/>
+        <p14:creationId xmlns:p14="http://schemas.microsoft.com/office/powerpoint/2010/main" val="3238806213"/>
       </p:ext>
     </p:extLst>
   </p:cSld>
@@ -547,7 +547,7 @@
           <p:cNvPr id="2" name="竖排标题 1">
             <a:extLst>
               <a:ext uri="{FF2B5EF4-FFF2-40B4-BE49-F238E27FC236}">
-                <a16:creationId xmlns:a16="http://schemas.microsoft.com/office/drawing/2014/main" id="{9CF0A38E-99F2-D132-1900-1505E281907B}"/>
+                <a16:creationId xmlns:a16="http://schemas.microsoft.com/office/drawing/2014/main" id="{9B460082-18F6-B6F0-3E85-BDB7920E4CCC}"/>
               </a:ext>
             </a:extLst>
           </p:cNvPr>
@@ -580,7 +580,7 @@
           <p:cNvPr id="3" name="竖排文字占位符 2">
             <a:extLst>
               <a:ext uri="{FF2B5EF4-FFF2-40B4-BE49-F238E27FC236}">
-                <a16:creationId xmlns:a16="http://schemas.microsoft.com/office/drawing/2014/main" id="{29BDA3C9-24B0-9E88-8050-0588196ACDB3}"/>
+                <a16:creationId xmlns:a16="http://schemas.microsoft.com/office/drawing/2014/main" id="{6DBB4115-9BFE-386C-44E9-1778B14D6916}"/>
               </a:ext>
             </a:extLst>
           </p:cNvPr>
@@ -642,7 +642,7 @@
           <p:cNvPr id="4" name="日期占位符 3">
             <a:extLst>
               <a:ext uri="{FF2B5EF4-FFF2-40B4-BE49-F238E27FC236}">
-                <a16:creationId xmlns:a16="http://schemas.microsoft.com/office/drawing/2014/main" id="{C1F2DBD1-3AEC-4932-B3D9-B74DC7F40FE0}"/>
+                <a16:creationId xmlns:a16="http://schemas.microsoft.com/office/drawing/2014/main" id="{A467FE68-94F0-807D-33D4-A409ACF5E195}"/>
               </a:ext>
             </a:extLst>
           </p:cNvPr>
@@ -658,7 +658,7 @@
           <a:bodyPr/>
           <a:lstStyle/>
           <a:p>
-            <a:fld id="{44D095E3-9505-4FED-808C-CB942C63BF8F}" type="datetimeFigureOut">
+            <a:fld id="{09D908CB-DCF0-4B19-85D7-40F887ADBF6A}" type="datetimeFigureOut">
               <a:rPr lang="zh-CN" altLang="en-US" smtClean="0"/>
               <a:t>2024/3/10</a:t>
             </a:fld>
@@ -671,7 +671,7 @@
           <p:cNvPr id="5" name="页脚占位符 4">
             <a:extLst>
               <a:ext uri="{FF2B5EF4-FFF2-40B4-BE49-F238E27FC236}">
-                <a16:creationId xmlns:a16="http://schemas.microsoft.com/office/drawing/2014/main" id="{9DE06A33-6B56-87FD-8052-F837BC23B289}"/>
+                <a16:creationId xmlns:a16="http://schemas.microsoft.com/office/drawing/2014/main" id="{E8DE9071-9DA6-4149-3F5A-C84F596457AF}"/>
               </a:ext>
             </a:extLst>
           </p:cNvPr>
@@ -696,7 +696,7 @@
           <p:cNvPr id="6" name="灯片编号占位符 5">
             <a:extLst>
               <a:ext uri="{FF2B5EF4-FFF2-40B4-BE49-F238E27FC236}">
-                <a16:creationId xmlns:a16="http://schemas.microsoft.com/office/drawing/2014/main" id="{902B27DF-A3D4-33AE-3C15-DF98D42BB159}"/>
+                <a16:creationId xmlns:a16="http://schemas.microsoft.com/office/drawing/2014/main" id="{3BAD143F-CA84-228E-292D-8EA23793FE6D}"/>
               </a:ext>
             </a:extLst>
           </p:cNvPr>
@@ -712,7 +712,7 @@
           <a:bodyPr/>
           <a:lstStyle/>
           <a:p>
-            <a:fld id="{F1EADFF4-5C8E-4FFF-A84D-F27DC6CA7D42}" type="slidenum">
+            <a:fld id="{48A21CD6-226E-4668-B572-EBBD9B8813FA}" type="slidenum">
               <a:rPr lang="zh-CN" altLang="en-US" smtClean="0"/>
               <a:t>‹#›</a:t>
             </a:fld>
@@ -723,7 +723,7 @@
     </p:spTree>
     <p:extLst>
       <p:ext uri="{BB962C8B-B14F-4D97-AF65-F5344CB8AC3E}">
-        <p14:creationId xmlns:p14="http://schemas.microsoft.com/office/powerpoint/2010/main" val="4070029762"/>
+        <p14:creationId xmlns:p14="http://schemas.microsoft.com/office/powerpoint/2010/main" val="1977633398"/>
       </p:ext>
     </p:extLst>
   </p:cSld>
@@ -755,7 +755,7 @@
           <p:cNvPr id="2" name="标题 1">
             <a:extLst>
               <a:ext uri="{FF2B5EF4-FFF2-40B4-BE49-F238E27FC236}">
-                <a16:creationId xmlns:a16="http://schemas.microsoft.com/office/drawing/2014/main" id="{3F1E9C45-A113-42CB-CC46-A6C08A2DD2EB}"/>
+                <a16:creationId xmlns:a16="http://schemas.microsoft.com/office/drawing/2014/main" id="{7A62F7AB-6394-D780-0BE8-AEC397B50D32}"/>
               </a:ext>
             </a:extLst>
           </p:cNvPr>
@@ -783,7 +783,7 @@
           <p:cNvPr id="3" name="内容占位符 2">
             <a:extLst>
               <a:ext uri="{FF2B5EF4-FFF2-40B4-BE49-F238E27FC236}">
-                <a16:creationId xmlns:a16="http://schemas.microsoft.com/office/drawing/2014/main" id="{C916CEC6-9A06-354C-85EF-2F331F75E879}"/>
+                <a16:creationId xmlns:a16="http://schemas.microsoft.com/office/drawing/2014/main" id="{7F986438-3C73-3EA7-D31B-A64435830D6E}"/>
               </a:ext>
             </a:extLst>
           </p:cNvPr>
@@ -840,7 +840,7 @@
           <p:cNvPr id="4" name="日期占位符 3">
             <a:extLst>
               <a:ext uri="{FF2B5EF4-FFF2-40B4-BE49-F238E27FC236}">
-                <a16:creationId xmlns:a16="http://schemas.microsoft.com/office/drawing/2014/main" id="{61FF5BA4-2E88-0C14-F20D-CC94892B75B1}"/>
+                <a16:creationId xmlns:a16="http://schemas.microsoft.com/office/drawing/2014/main" id="{13722611-678D-5A32-DF0D-F18CEA75E02E}"/>
               </a:ext>
             </a:extLst>
           </p:cNvPr>
@@ -856,7 +856,7 @@
           <a:bodyPr/>
           <a:lstStyle/>
           <a:p>
-            <a:fld id="{44D095E3-9505-4FED-808C-CB942C63BF8F}" type="datetimeFigureOut">
+            <a:fld id="{09D908CB-DCF0-4B19-85D7-40F887ADBF6A}" type="datetimeFigureOut">
               <a:rPr lang="zh-CN" altLang="en-US" smtClean="0"/>
               <a:t>2024/3/10</a:t>
             </a:fld>
@@ -869,7 +869,7 @@
           <p:cNvPr id="5" name="页脚占位符 4">
             <a:extLst>
               <a:ext uri="{FF2B5EF4-FFF2-40B4-BE49-F238E27FC236}">
-                <a16:creationId xmlns:a16="http://schemas.microsoft.com/office/drawing/2014/main" id="{E27F0962-9B57-19C0-2045-65E39C4FA8CE}"/>
+                <a16:creationId xmlns:a16="http://schemas.microsoft.com/office/drawing/2014/main" id="{51DCA994-45EB-F610-D948-717A6D9602B5}"/>
               </a:ext>
             </a:extLst>
           </p:cNvPr>
@@ -894,7 +894,7 @@
           <p:cNvPr id="6" name="灯片编号占位符 5">
             <a:extLst>
               <a:ext uri="{FF2B5EF4-FFF2-40B4-BE49-F238E27FC236}">
-                <a16:creationId xmlns:a16="http://schemas.microsoft.com/office/drawing/2014/main" id="{919F27E1-2713-69AA-F85B-B75DFB00E126}"/>
+                <a16:creationId xmlns:a16="http://schemas.microsoft.com/office/drawing/2014/main" id="{D10F62F8-4F66-C3C1-9BC8-2B1BDB25E7FD}"/>
               </a:ext>
             </a:extLst>
           </p:cNvPr>
@@ -910,7 +910,7 @@
           <a:bodyPr/>
           <a:lstStyle/>
           <a:p>
-            <a:fld id="{F1EADFF4-5C8E-4FFF-A84D-F27DC6CA7D42}" type="slidenum">
+            <a:fld id="{48A21CD6-226E-4668-B572-EBBD9B8813FA}" type="slidenum">
               <a:rPr lang="zh-CN" altLang="en-US" smtClean="0"/>
               <a:t>‹#›</a:t>
             </a:fld>
@@ -921,7 +921,7 @@
     </p:spTree>
     <p:extLst>
       <p:ext uri="{BB962C8B-B14F-4D97-AF65-F5344CB8AC3E}">
-        <p14:creationId xmlns:p14="http://schemas.microsoft.com/office/powerpoint/2010/main" val="3679584586"/>
+        <p14:creationId xmlns:p14="http://schemas.microsoft.com/office/powerpoint/2010/main" val="3600903437"/>
       </p:ext>
     </p:extLst>
   </p:cSld>
@@ -953,7 +953,7 @@
           <p:cNvPr id="2" name="标题 1">
             <a:extLst>
               <a:ext uri="{FF2B5EF4-FFF2-40B4-BE49-F238E27FC236}">
-                <a16:creationId xmlns:a16="http://schemas.microsoft.com/office/drawing/2014/main" id="{B461D8F7-FCEE-7A15-F9B9-AC6206EF9F04}"/>
+                <a16:creationId xmlns:a16="http://schemas.microsoft.com/office/drawing/2014/main" id="{CFFE9ADB-6B9B-E21C-4D2B-A968105B1CC8}"/>
               </a:ext>
             </a:extLst>
           </p:cNvPr>
@@ -990,7 +990,7 @@
           <p:cNvPr id="3" name="文本占位符 2">
             <a:extLst>
               <a:ext uri="{FF2B5EF4-FFF2-40B4-BE49-F238E27FC236}">
-                <a16:creationId xmlns:a16="http://schemas.microsoft.com/office/drawing/2014/main" id="{97E44C8A-BA3D-C4F2-863A-3D53BA9AFEB9}"/>
+                <a16:creationId xmlns:a16="http://schemas.microsoft.com/office/drawing/2014/main" id="{F61C4583-496A-0932-DF75-6B0A1BE12C6F}"/>
               </a:ext>
             </a:extLst>
           </p:cNvPr>
@@ -1115,7 +1115,7 @@
           <p:cNvPr id="4" name="日期占位符 3">
             <a:extLst>
               <a:ext uri="{FF2B5EF4-FFF2-40B4-BE49-F238E27FC236}">
-                <a16:creationId xmlns:a16="http://schemas.microsoft.com/office/drawing/2014/main" id="{F1AE167E-34F3-FFD1-87FB-127E0484FA58}"/>
+                <a16:creationId xmlns:a16="http://schemas.microsoft.com/office/drawing/2014/main" id="{351B2220-0B91-C0D5-BA04-4475C98886C2}"/>
               </a:ext>
             </a:extLst>
           </p:cNvPr>
@@ -1131,7 +1131,7 @@
           <a:bodyPr/>
           <a:lstStyle/>
           <a:p>
-            <a:fld id="{44D095E3-9505-4FED-808C-CB942C63BF8F}" type="datetimeFigureOut">
+            <a:fld id="{09D908CB-DCF0-4B19-85D7-40F887ADBF6A}" type="datetimeFigureOut">
               <a:rPr lang="zh-CN" altLang="en-US" smtClean="0"/>
               <a:t>2024/3/10</a:t>
             </a:fld>
@@ -1144,7 +1144,7 @@
           <p:cNvPr id="5" name="页脚占位符 4">
             <a:extLst>
               <a:ext uri="{FF2B5EF4-FFF2-40B4-BE49-F238E27FC236}">
-                <a16:creationId xmlns:a16="http://schemas.microsoft.com/office/drawing/2014/main" id="{8451196D-9646-2A32-4E36-1BFDB843840B}"/>
+                <a16:creationId xmlns:a16="http://schemas.microsoft.com/office/drawing/2014/main" id="{78316099-37CB-8CAD-C3C8-370FA9507164}"/>
               </a:ext>
             </a:extLst>
           </p:cNvPr>
@@ -1169,7 +1169,7 @@
           <p:cNvPr id="6" name="灯片编号占位符 5">
             <a:extLst>
               <a:ext uri="{FF2B5EF4-FFF2-40B4-BE49-F238E27FC236}">
-                <a16:creationId xmlns:a16="http://schemas.microsoft.com/office/drawing/2014/main" id="{4049E695-F4AE-545D-B464-D5FECB01B0F7}"/>
+                <a16:creationId xmlns:a16="http://schemas.microsoft.com/office/drawing/2014/main" id="{1CEDC624-F24E-7C7E-5CA3-03FD0472FCE5}"/>
               </a:ext>
             </a:extLst>
           </p:cNvPr>
@@ -1185,7 +1185,7 @@
           <a:bodyPr/>
           <a:lstStyle/>
           <a:p>
-            <a:fld id="{F1EADFF4-5C8E-4FFF-A84D-F27DC6CA7D42}" type="slidenum">
+            <a:fld id="{48A21CD6-226E-4668-B572-EBBD9B8813FA}" type="slidenum">
               <a:rPr lang="zh-CN" altLang="en-US" smtClean="0"/>
               <a:t>‹#›</a:t>
             </a:fld>
@@ -1196,7 +1196,7 @@
     </p:spTree>
     <p:extLst>
       <p:ext uri="{BB962C8B-B14F-4D97-AF65-F5344CB8AC3E}">
-        <p14:creationId xmlns:p14="http://schemas.microsoft.com/office/powerpoint/2010/main" val="555268187"/>
+        <p14:creationId xmlns:p14="http://schemas.microsoft.com/office/powerpoint/2010/main" val="20602637"/>
       </p:ext>
     </p:extLst>
   </p:cSld>
@@ -1228,7 +1228,7 @@
           <p:cNvPr id="2" name="标题 1">
             <a:extLst>
               <a:ext uri="{FF2B5EF4-FFF2-40B4-BE49-F238E27FC236}">
-                <a16:creationId xmlns:a16="http://schemas.microsoft.com/office/drawing/2014/main" id="{9DBA02D2-7840-4AC6-4222-648FBEF56E88}"/>
+                <a16:creationId xmlns:a16="http://schemas.microsoft.com/office/drawing/2014/main" id="{76BE02E8-072A-A3C0-616A-1A16A0CE5168}"/>
               </a:ext>
             </a:extLst>
           </p:cNvPr>
@@ -1256,7 +1256,7 @@
           <p:cNvPr id="3" name="内容占位符 2">
             <a:extLst>
               <a:ext uri="{FF2B5EF4-FFF2-40B4-BE49-F238E27FC236}">
-                <a16:creationId xmlns:a16="http://schemas.microsoft.com/office/drawing/2014/main" id="{8FFCF0CA-F05E-4009-AC78-BFF2411F42C7}"/>
+                <a16:creationId xmlns:a16="http://schemas.microsoft.com/office/drawing/2014/main" id="{96EACD5F-5802-FFFC-7057-DCB0EF21CFF4}"/>
               </a:ext>
             </a:extLst>
           </p:cNvPr>
@@ -1318,7 +1318,7 @@
           <p:cNvPr id="4" name="内容占位符 3">
             <a:extLst>
               <a:ext uri="{FF2B5EF4-FFF2-40B4-BE49-F238E27FC236}">
-                <a16:creationId xmlns:a16="http://schemas.microsoft.com/office/drawing/2014/main" id="{0EE48321-C442-6E95-9CE6-563504DDBD52}"/>
+                <a16:creationId xmlns:a16="http://schemas.microsoft.com/office/drawing/2014/main" id="{66F3485E-5418-3B2C-C481-B994119B1251}"/>
               </a:ext>
             </a:extLst>
           </p:cNvPr>
@@ -1380,7 +1380,7 @@
           <p:cNvPr id="5" name="日期占位符 4">
             <a:extLst>
               <a:ext uri="{FF2B5EF4-FFF2-40B4-BE49-F238E27FC236}">
-                <a16:creationId xmlns:a16="http://schemas.microsoft.com/office/drawing/2014/main" id="{3326BFFC-8AB8-8E69-FF2B-43179955CE7C}"/>
+                <a16:creationId xmlns:a16="http://schemas.microsoft.com/office/drawing/2014/main" id="{84F6C587-E0E9-C7BA-FF76-B3BA25A3549A}"/>
               </a:ext>
             </a:extLst>
           </p:cNvPr>
@@ -1396,7 +1396,7 @@
           <a:bodyPr/>
           <a:lstStyle/>
           <a:p>
-            <a:fld id="{44D095E3-9505-4FED-808C-CB942C63BF8F}" type="datetimeFigureOut">
+            <a:fld id="{09D908CB-DCF0-4B19-85D7-40F887ADBF6A}" type="datetimeFigureOut">
               <a:rPr lang="zh-CN" altLang="en-US" smtClean="0"/>
               <a:t>2024/3/10</a:t>
             </a:fld>
@@ -1409,7 +1409,7 @@
           <p:cNvPr id="6" name="页脚占位符 5">
             <a:extLst>
               <a:ext uri="{FF2B5EF4-FFF2-40B4-BE49-F238E27FC236}">
-                <a16:creationId xmlns:a16="http://schemas.microsoft.com/office/drawing/2014/main" id="{07857532-B526-60D4-B9C7-39F5D411B50A}"/>
+                <a16:creationId xmlns:a16="http://schemas.microsoft.com/office/drawing/2014/main" id="{4BA547BD-E977-1E30-7945-B4F92BDAA606}"/>
               </a:ext>
             </a:extLst>
           </p:cNvPr>
@@ -1434,7 +1434,7 @@
           <p:cNvPr id="7" name="灯片编号占位符 6">
             <a:extLst>
               <a:ext uri="{FF2B5EF4-FFF2-40B4-BE49-F238E27FC236}">
-                <a16:creationId xmlns:a16="http://schemas.microsoft.com/office/drawing/2014/main" id="{61FD74B5-4235-8BAB-C8EF-A8B81C85031A}"/>
+                <a16:creationId xmlns:a16="http://schemas.microsoft.com/office/drawing/2014/main" id="{13A45C98-1144-A177-5E9E-E1850098671D}"/>
               </a:ext>
             </a:extLst>
           </p:cNvPr>
@@ -1450,7 +1450,7 @@
           <a:bodyPr/>
           <a:lstStyle/>
           <a:p>
-            <a:fld id="{F1EADFF4-5C8E-4FFF-A84D-F27DC6CA7D42}" type="slidenum">
+            <a:fld id="{48A21CD6-226E-4668-B572-EBBD9B8813FA}" type="slidenum">
               <a:rPr lang="zh-CN" altLang="en-US" smtClean="0"/>
               <a:t>‹#›</a:t>
             </a:fld>
@@ -1461,7 +1461,7 @@
     </p:spTree>
     <p:extLst>
       <p:ext uri="{BB962C8B-B14F-4D97-AF65-F5344CB8AC3E}">
-        <p14:creationId xmlns:p14="http://schemas.microsoft.com/office/powerpoint/2010/main" val="4122190112"/>
+        <p14:creationId xmlns:p14="http://schemas.microsoft.com/office/powerpoint/2010/main" val="3120723252"/>
       </p:ext>
     </p:extLst>
   </p:cSld>
@@ -1493,7 +1493,7 @@
           <p:cNvPr id="2" name="标题 1">
             <a:extLst>
               <a:ext uri="{FF2B5EF4-FFF2-40B4-BE49-F238E27FC236}">
-                <a16:creationId xmlns:a16="http://schemas.microsoft.com/office/drawing/2014/main" id="{5A4BB51C-003D-582D-BA8B-E9A29A3304F3}"/>
+                <a16:creationId xmlns:a16="http://schemas.microsoft.com/office/drawing/2014/main" id="{EEFBB331-4446-5ED6-0C80-3CD5C955A888}"/>
               </a:ext>
             </a:extLst>
           </p:cNvPr>
@@ -1526,7 +1526,7 @@
           <p:cNvPr id="3" name="文本占位符 2">
             <a:extLst>
               <a:ext uri="{FF2B5EF4-FFF2-40B4-BE49-F238E27FC236}">
-                <a16:creationId xmlns:a16="http://schemas.microsoft.com/office/drawing/2014/main" id="{9EC191FD-9DB0-A1DC-FC57-6074F1EF5B82}"/>
+                <a16:creationId xmlns:a16="http://schemas.microsoft.com/office/drawing/2014/main" id="{9A7613A9-C4F7-3686-1963-DDCFFD0A643B}"/>
               </a:ext>
             </a:extLst>
           </p:cNvPr>
@@ -1597,7 +1597,7 @@
           <p:cNvPr id="4" name="内容占位符 3">
             <a:extLst>
               <a:ext uri="{FF2B5EF4-FFF2-40B4-BE49-F238E27FC236}">
-                <a16:creationId xmlns:a16="http://schemas.microsoft.com/office/drawing/2014/main" id="{1E5078AA-8069-2B4E-51DB-1BF7559F6358}"/>
+                <a16:creationId xmlns:a16="http://schemas.microsoft.com/office/drawing/2014/main" id="{269C1A84-321F-CCA3-C5B8-A40A320BEEF4}"/>
               </a:ext>
             </a:extLst>
           </p:cNvPr>
@@ -1659,7 +1659,7 @@
           <p:cNvPr id="5" name="文本占位符 4">
             <a:extLst>
               <a:ext uri="{FF2B5EF4-FFF2-40B4-BE49-F238E27FC236}">
-                <a16:creationId xmlns:a16="http://schemas.microsoft.com/office/drawing/2014/main" id="{C17AF7C4-82AF-AB1E-D5A2-4D0A3D13713D}"/>
+                <a16:creationId xmlns:a16="http://schemas.microsoft.com/office/drawing/2014/main" id="{8A800C92-0039-4417-E8FD-C61454426916}"/>
               </a:ext>
             </a:extLst>
           </p:cNvPr>
@@ -1730,7 +1730,7 @@
           <p:cNvPr id="6" name="内容占位符 5">
             <a:extLst>
               <a:ext uri="{FF2B5EF4-FFF2-40B4-BE49-F238E27FC236}">
-                <a16:creationId xmlns:a16="http://schemas.microsoft.com/office/drawing/2014/main" id="{7229BD00-75B7-3611-8952-A43E9B45C39B}"/>
+                <a16:creationId xmlns:a16="http://schemas.microsoft.com/office/drawing/2014/main" id="{AD3887FD-5CF3-4230-7045-EE3F5BADA37F}"/>
               </a:ext>
             </a:extLst>
           </p:cNvPr>
@@ -1792,7 +1792,7 @@
           <p:cNvPr id="7" name="日期占位符 6">
             <a:extLst>
               <a:ext uri="{FF2B5EF4-FFF2-40B4-BE49-F238E27FC236}">
-                <a16:creationId xmlns:a16="http://schemas.microsoft.com/office/drawing/2014/main" id="{A363913C-AF48-CA64-78DE-68A1ACF66428}"/>
+                <a16:creationId xmlns:a16="http://schemas.microsoft.com/office/drawing/2014/main" id="{9FB7C418-19DE-4E87-4AAB-E8EB45BABB00}"/>
               </a:ext>
             </a:extLst>
           </p:cNvPr>
@@ -1808,7 +1808,7 @@
           <a:bodyPr/>
           <a:lstStyle/>
           <a:p>
-            <a:fld id="{44D095E3-9505-4FED-808C-CB942C63BF8F}" type="datetimeFigureOut">
+            <a:fld id="{09D908CB-DCF0-4B19-85D7-40F887ADBF6A}" type="datetimeFigureOut">
               <a:rPr lang="zh-CN" altLang="en-US" smtClean="0"/>
               <a:t>2024/3/10</a:t>
             </a:fld>
@@ -1821,7 +1821,7 @@
           <p:cNvPr id="8" name="页脚占位符 7">
             <a:extLst>
               <a:ext uri="{FF2B5EF4-FFF2-40B4-BE49-F238E27FC236}">
-                <a16:creationId xmlns:a16="http://schemas.microsoft.com/office/drawing/2014/main" id="{EC7ECDF4-D977-0213-052C-55952F079002}"/>
+                <a16:creationId xmlns:a16="http://schemas.microsoft.com/office/drawing/2014/main" id="{21D610C8-93E0-0ECB-E355-CF566770AFB4}"/>
               </a:ext>
             </a:extLst>
           </p:cNvPr>
@@ -1846,7 +1846,7 @@
           <p:cNvPr id="9" name="灯片编号占位符 8">
             <a:extLst>
               <a:ext uri="{FF2B5EF4-FFF2-40B4-BE49-F238E27FC236}">
-                <a16:creationId xmlns:a16="http://schemas.microsoft.com/office/drawing/2014/main" id="{BE495541-580F-D4FE-B94F-E857133F78EF}"/>
+                <a16:creationId xmlns:a16="http://schemas.microsoft.com/office/drawing/2014/main" id="{8FC8ADF1-E9CF-D87D-AA67-E0D64CCDE194}"/>
               </a:ext>
             </a:extLst>
           </p:cNvPr>
@@ -1862,7 +1862,7 @@
           <a:bodyPr/>
           <a:lstStyle/>
           <a:p>
-            <a:fld id="{F1EADFF4-5C8E-4FFF-A84D-F27DC6CA7D42}" type="slidenum">
+            <a:fld id="{48A21CD6-226E-4668-B572-EBBD9B8813FA}" type="slidenum">
               <a:rPr lang="zh-CN" altLang="en-US" smtClean="0"/>
               <a:t>‹#›</a:t>
             </a:fld>
@@ -1873,7 +1873,7 @@
     </p:spTree>
     <p:extLst>
       <p:ext uri="{BB962C8B-B14F-4D97-AF65-F5344CB8AC3E}">
-        <p14:creationId xmlns:p14="http://schemas.microsoft.com/office/powerpoint/2010/main" val="435761464"/>
+        <p14:creationId xmlns:p14="http://schemas.microsoft.com/office/powerpoint/2010/main" val="787621281"/>
       </p:ext>
     </p:extLst>
   </p:cSld>
@@ -1905,7 +1905,7 @@
           <p:cNvPr id="2" name="标题 1">
             <a:extLst>
               <a:ext uri="{FF2B5EF4-FFF2-40B4-BE49-F238E27FC236}">
-                <a16:creationId xmlns:a16="http://schemas.microsoft.com/office/drawing/2014/main" id="{A931E265-84CA-7F7F-3DED-EF6E4A24EB5B}"/>
+                <a16:creationId xmlns:a16="http://schemas.microsoft.com/office/drawing/2014/main" id="{8010CB73-B175-7CF8-D6AB-5C229A462919}"/>
               </a:ext>
             </a:extLst>
           </p:cNvPr>
@@ -1933,7 +1933,7 @@
           <p:cNvPr id="3" name="日期占位符 2">
             <a:extLst>
               <a:ext uri="{FF2B5EF4-FFF2-40B4-BE49-F238E27FC236}">
-                <a16:creationId xmlns:a16="http://schemas.microsoft.com/office/drawing/2014/main" id="{1DB633FF-CE45-0FAF-E132-24ADAED6B3A9}"/>
+                <a16:creationId xmlns:a16="http://schemas.microsoft.com/office/drawing/2014/main" id="{4BFC5788-013D-985E-2722-872170F261DE}"/>
               </a:ext>
             </a:extLst>
           </p:cNvPr>
@@ -1949,7 +1949,7 @@
           <a:bodyPr/>
           <a:lstStyle/>
           <a:p>
-            <a:fld id="{44D095E3-9505-4FED-808C-CB942C63BF8F}" type="datetimeFigureOut">
+            <a:fld id="{09D908CB-DCF0-4B19-85D7-40F887ADBF6A}" type="datetimeFigureOut">
               <a:rPr lang="zh-CN" altLang="en-US" smtClean="0"/>
               <a:t>2024/3/10</a:t>
             </a:fld>
@@ -1962,7 +1962,7 @@
           <p:cNvPr id="4" name="页脚占位符 3">
             <a:extLst>
               <a:ext uri="{FF2B5EF4-FFF2-40B4-BE49-F238E27FC236}">
-                <a16:creationId xmlns:a16="http://schemas.microsoft.com/office/drawing/2014/main" id="{C166DC3C-69B9-A6B8-926C-A02C03093C41}"/>
+                <a16:creationId xmlns:a16="http://schemas.microsoft.com/office/drawing/2014/main" id="{8A998511-43F7-4AAD-2047-8BA66F17066A}"/>
               </a:ext>
             </a:extLst>
           </p:cNvPr>
@@ -1987,7 +1987,7 @@
           <p:cNvPr id="5" name="灯片编号占位符 4">
             <a:extLst>
               <a:ext uri="{FF2B5EF4-FFF2-40B4-BE49-F238E27FC236}">
-                <a16:creationId xmlns:a16="http://schemas.microsoft.com/office/drawing/2014/main" id="{2579AADB-87C2-6E00-058B-75B15D4F4A8E}"/>
+                <a16:creationId xmlns:a16="http://schemas.microsoft.com/office/drawing/2014/main" id="{EA43439D-1F91-B523-5111-D690B88A09E5}"/>
               </a:ext>
             </a:extLst>
           </p:cNvPr>
@@ -2003,7 +2003,7 @@
           <a:bodyPr/>
           <a:lstStyle/>
           <a:p>
-            <a:fld id="{F1EADFF4-5C8E-4FFF-A84D-F27DC6CA7D42}" type="slidenum">
+            <a:fld id="{48A21CD6-226E-4668-B572-EBBD9B8813FA}" type="slidenum">
               <a:rPr lang="zh-CN" altLang="en-US" smtClean="0"/>
               <a:t>‹#›</a:t>
             </a:fld>
@@ -2014,7 +2014,7 @@
     </p:spTree>
     <p:extLst>
       <p:ext uri="{BB962C8B-B14F-4D97-AF65-F5344CB8AC3E}">
-        <p14:creationId xmlns:p14="http://schemas.microsoft.com/office/powerpoint/2010/main" val="4047586064"/>
+        <p14:creationId xmlns:p14="http://schemas.microsoft.com/office/powerpoint/2010/main" val="3814474983"/>
       </p:ext>
     </p:extLst>
   </p:cSld>
@@ -2046,7 +2046,7 @@
           <p:cNvPr id="2" name="日期占位符 1">
             <a:extLst>
               <a:ext uri="{FF2B5EF4-FFF2-40B4-BE49-F238E27FC236}">
-                <a16:creationId xmlns:a16="http://schemas.microsoft.com/office/drawing/2014/main" id="{5DE1DDA2-6E25-F415-A010-84303C1ADC3E}"/>
+                <a16:creationId xmlns:a16="http://schemas.microsoft.com/office/drawing/2014/main" id="{D5D8977E-2A5D-A1E6-6E69-F76A94F8AF57}"/>
               </a:ext>
             </a:extLst>
           </p:cNvPr>
@@ -2062,7 +2062,7 @@
           <a:bodyPr/>
           <a:lstStyle/>
           <a:p>
-            <a:fld id="{44D095E3-9505-4FED-808C-CB942C63BF8F}" type="datetimeFigureOut">
+            <a:fld id="{09D908CB-DCF0-4B19-85D7-40F887ADBF6A}" type="datetimeFigureOut">
               <a:rPr lang="zh-CN" altLang="en-US" smtClean="0"/>
               <a:t>2024/3/10</a:t>
             </a:fld>
@@ -2075,7 +2075,7 @@
           <p:cNvPr id="3" name="页脚占位符 2">
             <a:extLst>
               <a:ext uri="{FF2B5EF4-FFF2-40B4-BE49-F238E27FC236}">
-                <a16:creationId xmlns:a16="http://schemas.microsoft.com/office/drawing/2014/main" id="{08E18028-5FD8-30F9-9370-314FA4CF16B8}"/>
+                <a16:creationId xmlns:a16="http://schemas.microsoft.com/office/drawing/2014/main" id="{57BE08E6-9E14-B6D7-20F4-CFF37C6DDF30}"/>
               </a:ext>
             </a:extLst>
           </p:cNvPr>
@@ -2100,7 +2100,7 @@
           <p:cNvPr id="4" name="灯片编号占位符 3">
             <a:extLst>
               <a:ext uri="{FF2B5EF4-FFF2-40B4-BE49-F238E27FC236}">
-                <a16:creationId xmlns:a16="http://schemas.microsoft.com/office/drawing/2014/main" id="{70C5F0F2-63A5-F301-5C3B-55E990FBA52F}"/>
+                <a16:creationId xmlns:a16="http://schemas.microsoft.com/office/drawing/2014/main" id="{C50E640F-4E10-8099-3616-22D5ABF4BB86}"/>
               </a:ext>
             </a:extLst>
           </p:cNvPr>
@@ -2116,7 +2116,7 @@
           <a:bodyPr/>
           <a:lstStyle/>
           <a:p>
-            <a:fld id="{F1EADFF4-5C8E-4FFF-A84D-F27DC6CA7D42}" type="slidenum">
+            <a:fld id="{48A21CD6-226E-4668-B572-EBBD9B8813FA}" type="slidenum">
               <a:rPr lang="zh-CN" altLang="en-US" smtClean="0"/>
               <a:t>‹#›</a:t>
             </a:fld>
@@ -2127,7 +2127,7 @@
     </p:spTree>
     <p:extLst>
       <p:ext uri="{BB962C8B-B14F-4D97-AF65-F5344CB8AC3E}">
-        <p14:creationId xmlns:p14="http://schemas.microsoft.com/office/powerpoint/2010/main" val="436212862"/>
+        <p14:creationId xmlns:p14="http://schemas.microsoft.com/office/powerpoint/2010/main" val="3405075612"/>
       </p:ext>
     </p:extLst>
   </p:cSld>
@@ -2159,7 +2159,7 @@
           <p:cNvPr id="2" name="标题 1">
             <a:extLst>
               <a:ext uri="{FF2B5EF4-FFF2-40B4-BE49-F238E27FC236}">
-                <a16:creationId xmlns:a16="http://schemas.microsoft.com/office/drawing/2014/main" id="{6E62CEB3-C69F-220D-868A-355FEC0CC4F8}"/>
+                <a16:creationId xmlns:a16="http://schemas.microsoft.com/office/drawing/2014/main" id="{6A6504AC-1A73-BC13-C733-0EACC391A4AA}"/>
               </a:ext>
             </a:extLst>
           </p:cNvPr>
@@ -2196,7 +2196,7 @@
           <p:cNvPr id="3" name="内容占位符 2">
             <a:extLst>
               <a:ext uri="{FF2B5EF4-FFF2-40B4-BE49-F238E27FC236}">
-                <a16:creationId xmlns:a16="http://schemas.microsoft.com/office/drawing/2014/main" id="{60853C4E-8124-51B9-4E41-FD0180CEF31D}"/>
+                <a16:creationId xmlns:a16="http://schemas.microsoft.com/office/drawing/2014/main" id="{BF9262DB-9F98-0720-D0DA-5E226D010754}"/>
               </a:ext>
             </a:extLst>
           </p:cNvPr>
@@ -2286,7 +2286,7 @@
           <p:cNvPr id="4" name="文本占位符 3">
             <a:extLst>
               <a:ext uri="{FF2B5EF4-FFF2-40B4-BE49-F238E27FC236}">
-                <a16:creationId xmlns:a16="http://schemas.microsoft.com/office/drawing/2014/main" id="{6417764A-5C35-A73E-3B20-A04D8B73E7FC}"/>
+                <a16:creationId xmlns:a16="http://schemas.microsoft.com/office/drawing/2014/main" id="{A8446BB0-B1D9-2383-1581-632A920DD0E6}"/>
               </a:ext>
             </a:extLst>
           </p:cNvPr>
@@ -2357,7 +2357,7 @@
           <p:cNvPr id="5" name="日期占位符 4">
             <a:extLst>
               <a:ext uri="{FF2B5EF4-FFF2-40B4-BE49-F238E27FC236}">
-                <a16:creationId xmlns:a16="http://schemas.microsoft.com/office/drawing/2014/main" id="{5EE7C3DF-D1F6-6A3E-E280-00708A28678A}"/>
+                <a16:creationId xmlns:a16="http://schemas.microsoft.com/office/drawing/2014/main" id="{A08D2BED-4F04-DD50-AA71-24CFD0B8DB5C}"/>
               </a:ext>
             </a:extLst>
           </p:cNvPr>
@@ -2373,7 +2373,7 @@
           <a:bodyPr/>
           <a:lstStyle/>
           <a:p>
-            <a:fld id="{44D095E3-9505-4FED-808C-CB942C63BF8F}" type="datetimeFigureOut">
+            <a:fld id="{09D908CB-DCF0-4B19-85D7-40F887ADBF6A}" type="datetimeFigureOut">
               <a:rPr lang="zh-CN" altLang="en-US" smtClean="0"/>
               <a:t>2024/3/10</a:t>
             </a:fld>
@@ -2386,7 +2386,7 @@
           <p:cNvPr id="6" name="页脚占位符 5">
             <a:extLst>
               <a:ext uri="{FF2B5EF4-FFF2-40B4-BE49-F238E27FC236}">
-                <a16:creationId xmlns:a16="http://schemas.microsoft.com/office/drawing/2014/main" id="{64031300-08FB-41D5-542A-07EB7269C2E0}"/>
+                <a16:creationId xmlns:a16="http://schemas.microsoft.com/office/drawing/2014/main" id="{DABC727D-60D6-4BDC-8A9C-A6C318B78F5C}"/>
               </a:ext>
             </a:extLst>
           </p:cNvPr>
@@ -2411,7 +2411,7 @@
           <p:cNvPr id="7" name="灯片编号占位符 6">
             <a:extLst>
               <a:ext uri="{FF2B5EF4-FFF2-40B4-BE49-F238E27FC236}">
-                <a16:creationId xmlns:a16="http://schemas.microsoft.com/office/drawing/2014/main" id="{D22FF839-FC23-D961-5372-730CF7AF12E3}"/>
+                <a16:creationId xmlns:a16="http://schemas.microsoft.com/office/drawing/2014/main" id="{5705C27E-F624-7418-57D3-73F6496C77DA}"/>
               </a:ext>
             </a:extLst>
           </p:cNvPr>
@@ -2427,7 +2427,7 @@
           <a:bodyPr/>
           <a:lstStyle/>
           <a:p>
-            <a:fld id="{F1EADFF4-5C8E-4FFF-A84D-F27DC6CA7D42}" type="slidenum">
+            <a:fld id="{48A21CD6-226E-4668-B572-EBBD9B8813FA}" type="slidenum">
               <a:rPr lang="zh-CN" altLang="en-US" smtClean="0"/>
               <a:t>‹#›</a:t>
             </a:fld>
@@ -2438,7 +2438,7 @@
     </p:spTree>
     <p:extLst>
       <p:ext uri="{BB962C8B-B14F-4D97-AF65-F5344CB8AC3E}">
-        <p14:creationId xmlns:p14="http://schemas.microsoft.com/office/powerpoint/2010/main" val="3550063294"/>
+        <p14:creationId xmlns:p14="http://schemas.microsoft.com/office/powerpoint/2010/main" val="824374756"/>
       </p:ext>
     </p:extLst>
   </p:cSld>
@@ -2470,7 +2470,7 @@
           <p:cNvPr id="2" name="标题 1">
             <a:extLst>
               <a:ext uri="{FF2B5EF4-FFF2-40B4-BE49-F238E27FC236}">
-                <a16:creationId xmlns:a16="http://schemas.microsoft.com/office/drawing/2014/main" id="{74EDA8F4-BAA7-76EC-0185-C5AE049BB2EB}"/>
+                <a16:creationId xmlns:a16="http://schemas.microsoft.com/office/drawing/2014/main" id="{F30DBEC3-702E-4C10-0C88-57FC8B7AD3B3}"/>
               </a:ext>
             </a:extLst>
           </p:cNvPr>
@@ -2507,7 +2507,7 @@
           <p:cNvPr id="3" name="图片占位符 2">
             <a:extLst>
               <a:ext uri="{FF2B5EF4-FFF2-40B4-BE49-F238E27FC236}">
-                <a16:creationId xmlns:a16="http://schemas.microsoft.com/office/drawing/2014/main" id="{25520A2D-2511-301E-A6F4-A95FCCBCB3FF}"/>
+                <a16:creationId xmlns:a16="http://schemas.microsoft.com/office/drawing/2014/main" id="{5964DF6E-9CDC-9CD9-D7E3-CC61DD7BF3B0}"/>
               </a:ext>
             </a:extLst>
           </p:cNvPr>
@@ -2574,7 +2574,7 @@
           <p:cNvPr id="4" name="文本占位符 3">
             <a:extLst>
               <a:ext uri="{FF2B5EF4-FFF2-40B4-BE49-F238E27FC236}">
-                <a16:creationId xmlns:a16="http://schemas.microsoft.com/office/drawing/2014/main" id="{9A3F80BF-CDD7-94A9-C8E5-09CC83E6CDE1}"/>
+                <a16:creationId xmlns:a16="http://schemas.microsoft.com/office/drawing/2014/main" id="{FF054C8F-7500-A3C4-D2CE-1F2DE0CFEE99}"/>
               </a:ext>
             </a:extLst>
           </p:cNvPr>
@@ -2645,7 +2645,7 @@
           <p:cNvPr id="5" name="日期占位符 4">
             <a:extLst>
               <a:ext uri="{FF2B5EF4-FFF2-40B4-BE49-F238E27FC236}">
-                <a16:creationId xmlns:a16="http://schemas.microsoft.com/office/drawing/2014/main" id="{EE46E5CA-BC64-BC59-F267-40932F7BC4B2}"/>
+                <a16:creationId xmlns:a16="http://schemas.microsoft.com/office/drawing/2014/main" id="{A9358E8A-EFC1-5DAE-C83A-7F10E21F48C9}"/>
               </a:ext>
             </a:extLst>
           </p:cNvPr>
@@ -2661,7 +2661,7 @@
           <a:bodyPr/>
           <a:lstStyle/>
           <a:p>
-            <a:fld id="{44D095E3-9505-4FED-808C-CB942C63BF8F}" type="datetimeFigureOut">
+            <a:fld id="{09D908CB-DCF0-4B19-85D7-40F887ADBF6A}" type="datetimeFigureOut">
               <a:rPr lang="zh-CN" altLang="en-US" smtClean="0"/>
               <a:t>2024/3/10</a:t>
             </a:fld>
@@ -2674,7 +2674,7 @@
           <p:cNvPr id="6" name="页脚占位符 5">
             <a:extLst>
               <a:ext uri="{FF2B5EF4-FFF2-40B4-BE49-F238E27FC236}">
-                <a16:creationId xmlns:a16="http://schemas.microsoft.com/office/drawing/2014/main" id="{7CFD2F0E-6B8E-D026-BCEE-1E00A523E320}"/>
+                <a16:creationId xmlns:a16="http://schemas.microsoft.com/office/drawing/2014/main" id="{25C801A1-AF02-7DF2-C04C-D24E62C42711}"/>
               </a:ext>
             </a:extLst>
           </p:cNvPr>
@@ -2699,7 +2699,7 @@
           <p:cNvPr id="7" name="灯片编号占位符 6">
             <a:extLst>
               <a:ext uri="{FF2B5EF4-FFF2-40B4-BE49-F238E27FC236}">
-                <a16:creationId xmlns:a16="http://schemas.microsoft.com/office/drawing/2014/main" id="{B79679FD-45EB-A4C8-5B6C-1116A3D7EC4F}"/>
+                <a16:creationId xmlns:a16="http://schemas.microsoft.com/office/drawing/2014/main" id="{CEED5E86-1693-6F1A-6ADC-09E1C4379BE3}"/>
               </a:ext>
             </a:extLst>
           </p:cNvPr>
@@ -2715,7 +2715,7 @@
           <a:bodyPr/>
           <a:lstStyle/>
           <a:p>
-            <a:fld id="{F1EADFF4-5C8E-4FFF-A84D-F27DC6CA7D42}" type="slidenum">
+            <a:fld id="{48A21CD6-226E-4668-B572-EBBD9B8813FA}" type="slidenum">
               <a:rPr lang="zh-CN" altLang="en-US" smtClean="0"/>
               <a:t>‹#›</a:t>
             </a:fld>
@@ -2726,7 +2726,7 @@
     </p:spTree>
     <p:extLst>
       <p:ext uri="{BB962C8B-B14F-4D97-AF65-F5344CB8AC3E}">
-        <p14:creationId xmlns:p14="http://schemas.microsoft.com/office/powerpoint/2010/main" val="3617579753"/>
+        <p14:creationId xmlns:p14="http://schemas.microsoft.com/office/powerpoint/2010/main" val="2474041846"/>
       </p:ext>
     </p:extLst>
   </p:cSld>
@@ -2763,7 +2763,7 @@
           <p:cNvPr id="2" name="标题占位符 1">
             <a:extLst>
               <a:ext uri="{FF2B5EF4-FFF2-40B4-BE49-F238E27FC236}">
-                <a16:creationId xmlns:a16="http://schemas.microsoft.com/office/drawing/2014/main" id="{BDCC3623-977A-0757-6463-EC1CCE28A8FE}"/>
+                <a16:creationId xmlns:a16="http://schemas.microsoft.com/office/drawing/2014/main" id="{4D8893DA-B93D-6962-EB2F-BBD032175FA9}"/>
               </a:ext>
             </a:extLst>
           </p:cNvPr>
@@ -2801,7 +2801,7 @@
           <p:cNvPr id="3" name="文本占位符 2">
             <a:extLst>
               <a:ext uri="{FF2B5EF4-FFF2-40B4-BE49-F238E27FC236}">
-                <a16:creationId xmlns:a16="http://schemas.microsoft.com/office/drawing/2014/main" id="{7F8AAD26-D52E-EDF8-3460-7B53A7A57F45}"/>
+                <a16:creationId xmlns:a16="http://schemas.microsoft.com/office/drawing/2014/main" id="{C8D1166B-5694-6185-7866-066C11D14E9B}"/>
               </a:ext>
             </a:extLst>
           </p:cNvPr>
@@ -2868,7 +2868,7 @@
           <p:cNvPr id="4" name="日期占位符 3">
             <a:extLst>
               <a:ext uri="{FF2B5EF4-FFF2-40B4-BE49-F238E27FC236}">
-                <a16:creationId xmlns:a16="http://schemas.microsoft.com/office/drawing/2014/main" id="{F4A6205B-37BB-8008-8F33-045659C5DC27}"/>
+                <a16:creationId xmlns:a16="http://schemas.microsoft.com/office/drawing/2014/main" id="{136D0D6A-7A5A-EAFF-0684-D4D8702A5DDF}"/>
               </a:ext>
             </a:extLst>
           </p:cNvPr>
@@ -2902,7 +2902,7 @@
             </a:lvl1pPr>
           </a:lstStyle>
           <a:p>
-            <a:fld id="{44D095E3-9505-4FED-808C-CB942C63BF8F}" type="datetimeFigureOut">
+            <a:fld id="{09D908CB-DCF0-4B19-85D7-40F887ADBF6A}" type="datetimeFigureOut">
               <a:rPr lang="zh-CN" altLang="en-US" smtClean="0"/>
               <a:t>2024/3/10</a:t>
             </a:fld>
@@ -2915,7 +2915,7 @@
           <p:cNvPr id="5" name="页脚占位符 4">
             <a:extLst>
               <a:ext uri="{FF2B5EF4-FFF2-40B4-BE49-F238E27FC236}">
-                <a16:creationId xmlns:a16="http://schemas.microsoft.com/office/drawing/2014/main" id="{372E6C98-D68A-91E4-47B1-CE3334C06E7B}"/>
+                <a16:creationId xmlns:a16="http://schemas.microsoft.com/office/drawing/2014/main" id="{53B80EFC-1A1A-C87E-4E7C-2FE665F8338A}"/>
               </a:ext>
             </a:extLst>
           </p:cNvPr>
@@ -2958,7 +2958,7 @@
           <p:cNvPr id="6" name="灯片编号占位符 5">
             <a:extLst>
               <a:ext uri="{FF2B5EF4-FFF2-40B4-BE49-F238E27FC236}">
-                <a16:creationId xmlns:a16="http://schemas.microsoft.com/office/drawing/2014/main" id="{9573AB3C-F5AF-CCA4-DBF0-2CA42033D7F2}"/>
+                <a16:creationId xmlns:a16="http://schemas.microsoft.com/office/drawing/2014/main" id="{7AE11D68-1C48-8747-56C4-D7498D34B0F5}"/>
               </a:ext>
             </a:extLst>
           </p:cNvPr>
@@ -2992,7 +2992,7 @@
             </a:lvl1pPr>
           </a:lstStyle>
           <a:p>
-            <a:fld id="{F1EADFF4-5C8E-4FFF-A84D-F27DC6CA7D42}" type="slidenum">
+            <a:fld id="{48A21CD6-226E-4668-B572-EBBD9B8813FA}" type="slidenum">
               <a:rPr lang="zh-CN" altLang="en-US" smtClean="0"/>
               <a:t>‹#›</a:t>
             </a:fld>
@@ -3003,7 +3003,7 @@
     </p:spTree>
     <p:extLst>
       <p:ext uri="{BB962C8B-B14F-4D97-AF65-F5344CB8AC3E}">
-        <p14:creationId xmlns:p14="http://schemas.microsoft.com/office/powerpoint/2010/main" val="410653857"/>
+        <p14:creationId xmlns:p14="http://schemas.microsoft.com/office/powerpoint/2010/main" val="1010071173"/>
       </p:ext>
     </p:extLst>
   </p:cSld>
@@ -3323,7 +3323,7 @@
       </p:grpSpPr>
       <p:pic>
         <p:nvPicPr>
-          <p:cNvPr id="755714" name="Picture 2" descr="737"/>
+          <p:cNvPr id="756738" name="Picture 2" descr="738"/>
           <p:cNvPicPr>
             <a:picLocks noChangeAspect="1" noChangeArrowheads="1"/>
           </p:cNvPicPr>
